--- a/FinalCapstonProject/Capston project.pptx
+++ b/FinalCapstonProject/Capston project.pptx
@@ -17,15 +17,15 @@
     <p:sldId id="261" r:id="rId8"/>
     <p:sldId id="269" r:id="rId9"/>
     <p:sldId id="276" r:id="rId10"/>
-    <p:sldId id="263" r:id="rId11"/>
-    <p:sldId id="262" r:id="rId12"/>
-    <p:sldId id="272" r:id="rId13"/>
-    <p:sldId id="264" r:id="rId14"/>
-    <p:sldId id="265" r:id="rId15"/>
-    <p:sldId id="277" r:id="rId16"/>
-    <p:sldId id="266" r:id="rId17"/>
-    <p:sldId id="278" r:id="rId18"/>
-    <p:sldId id="267" r:id="rId19"/>
+    <p:sldId id="262" r:id="rId11"/>
+    <p:sldId id="272" r:id="rId12"/>
+    <p:sldId id="264" r:id="rId13"/>
+    <p:sldId id="265" r:id="rId14"/>
+    <p:sldId id="277" r:id="rId15"/>
+    <p:sldId id="266" r:id="rId16"/>
+    <p:sldId id="278" r:id="rId17"/>
+    <p:sldId id="267" r:id="rId18"/>
+    <p:sldId id="263" r:id="rId19"/>
     <p:sldId id="268" r:id="rId20"/>
     <p:sldId id="271" r:id="rId21"/>
     <p:sldId id="274" r:id="rId22"/>
@@ -664,7 +664,7 @@
           <a:p>
             <a:fld id="{E17A8251-95F7-4384-BDF9-E9CC5F93AFDB}" type="slidenum">
               <a:rPr lang="en-US" smtClean="0"/>
-              <a:t>13</a:t>
+              <a:t>12</a:t>
             </a:fld>
             <a:endParaRPr lang="en-US"/>
           </a:p>
@@ -751,7 +751,7 @@
           <a:p>
             <a:fld id="{E17A8251-95F7-4384-BDF9-E9CC5F93AFDB}" type="slidenum">
               <a:rPr lang="en-US" smtClean="0"/>
-              <a:t>14</a:t>
+              <a:t>13</a:t>
             </a:fld>
             <a:endParaRPr lang="en-US"/>
           </a:p>
@@ -835,7 +835,7 @@
           <a:p>
             <a:fld id="{E17A8251-95F7-4384-BDF9-E9CC5F93AFDB}" type="slidenum">
               <a:rPr lang="en-US" smtClean="0"/>
-              <a:t>16</a:t>
+              <a:t>15</a:t>
             </a:fld>
             <a:endParaRPr lang="en-US"/>
           </a:p>
@@ -6217,109 +6217,6 @@
           <p:cNvPr id="2" name="Title 1">
             <a:extLst>
               <a:ext uri="{FF2B5EF4-FFF2-40B4-BE49-F238E27FC236}">
-                <a16:creationId xmlns:a16="http://schemas.microsoft.com/office/drawing/2014/main" id="{E8D3F93F-93BF-45BE-B3C0-F0242529822A}"/>
-              </a:ext>
-            </a:extLst>
-          </p:cNvPr>
-          <p:cNvSpPr>
-            <a:spLocks noGrp="1"/>
-          </p:cNvSpPr>
-          <p:nvPr>
-            <p:ph type="title"/>
-          </p:nvPr>
-        </p:nvSpPr>
-        <p:spPr/>
-        <p:txBody>
-          <a:bodyPr>
-            <a:normAutofit/>
-          </a:bodyPr>
-          <a:lstStyle/>
-          <a:p>
-            <a:r>
-              <a:rPr lang="en-US" b="1" dirty="0"/>
-              <a:t>Average the vector</a:t>
-            </a:r>
-            <a:endParaRPr lang="en-US" dirty="0"/>
-          </a:p>
-        </p:txBody>
-      </p:sp>
-      <p:sp>
-        <p:nvSpPr>
-          <p:cNvPr id="3" name="Content Placeholder 2">
-            <a:extLst>
-              <a:ext uri="{FF2B5EF4-FFF2-40B4-BE49-F238E27FC236}">
-                <a16:creationId xmlns:a16="http://schemas.microsoft.com/office/drawing/2014/main" id="{295D1206-E51F-46A7-A16B-7DD82F2A97F4}"/>
-              </a:ext>
-            </a:extLst>
-          </p:cNvPr>
-          <p:cNvSpPr>
-            <a:spLocks noGrp="1"/>
-          </p:cNvSpPr>
-          <p:nvPr>
-            <p:ph idx="1"/>
-          </p:nvPr>
-        </p:nvSpPr>
-        <p:spPr/>
-        <p:txBody>
-          <a:bodyPr/>
-          <a:lstStyle/>
-          <a:p>
-            <a:r>
-              <a:rPr lang="en-US" dirty="0"/>
-              <a:t>Build class to take the average of each review vector to represent that review</a:t>
-            </a:r>
-          </a:p>
-          <a:p>
-            <a:r>
-              <a:rPr lang="en-US" dirty="0"/>
-              <a:t>Now that we have vector representation of the words in our corpus, we need to use it to create vector representation of the documents to pass it into the classifier neurol network. One way to do that is to take the average of the word vectors in the documents and use the averaged word vector to </a:t>
-            </a:r>
-            <a:r>
-              <a:rPr lang="en-US" dirty="0" err="1"/>
-              <a:t>reprsent</a:t>
-            </a:r>
-            <a:r>
-              <a:rPr lang="en-US" dirty="0"/>
-              <a:t> the documents.</a:t>
-            </a:r>
-          </a:p>
-        </p:txBody>
-      </p:sp>
-    </p:spTree>
-    <p:extLst>
-      <p:ext uri="{BB962C8B-B14F-4D97-AF65-F5344CB8AC3E}">
-        <p14:creationId xmlns:p14="http://schemas.microsoft.com/office/powerpoint/2010/main" val="1370103661"/>
-      </p:ext>
-    </p:extLst>
-  </p:cSld>
-  <p:clrMapOvr>
-    <a:masterClrMapping/>
-  </p:clrMapOvr>
-</p:sld>
-</file>
-
-<file path=ppt/slides/slide11.xml><?xml version="1.0" encoding="utf-8"?>
-<p:sld xmlns:a="http://schemas.openxmlformats.org/drawingml/2006/main" xmlns:r="http://schemas.openxmlformats.org/officeDocument/2006/relationships" xmlns:p="http://schemas.openxmlformats.org/presentationml/2006/main">
-  <p:cSld>
-    <p:spTree>
-      <p:nvGrpSpPr>
-        <p:cNvPr id="1" name=""/>
-        <p:cNvGrpSpPr/>
-        <p:nvPr/>
-      </p:nvGrpSpPr>
-      <p:grpSpPr>
-        <a:xfrm>
-          <a:off x="0" y="0"/>
-          <a:ext cx="0" cy="0"/>
-          <a:chOff x="0" y="0"/>
-          <a:chExt cx="0" cy="0"/>
-        </a:xfrm>
-      </p:grpSpPr>
-      <p:sp>
-        <p:nvSpPr>
-          <p:cNvPr id="2" name="Title 1">
-            <a:extLst>
-              <a:ext uri="{FF2B5EF4-FFF2-40B4-BE49-F238E27FC236}">
                 <a16:creationId xmlns:a16="http://schemas.microsoft.com/office/drawing/2014/main" id="{8ACA1A9C-208E-4F16-AF8A-84D765942D7C}"/>
               </a:ext>
             </a:extLst>
@@ -6331,14 +6228,35 @@
             <p:ph type="title"/>
           </p:nvPr>
         </p:nvSpPr>
-        <p:spPr/>
+        <p:spPr>
+          <a:xfrm>
+            <a:off x="838200" y="1089281"/>
+            <a:ext cx="10515600" cy="1325563"/>
+          </a:xfrm>
+        </p:spPr>
         <p:txBody>
-          <a:bodyPr/>
+          <a:bodyPr>
+            <a:normAutofit fontScale="90000"/>
+          </a:bodyPr>
           <a:lstStyle/>
           <a:p>
-            <a:r>
-              <a:rPr lang="en-US" b="1" dirty="0"/>
-              <a:t>Graph the result of Word2Vec</a:t>
+            <a:pPr algn="ctr"/>
+            <a:r>
+              <a:rPr lang="en-US" b="1" dirty="0">
+                <a:latin typeface="Alice" panose="00000500000000000000" pitchFamily="2" charset="0"/>
+              </a:rPr>
+              <a:t>Word2Vec </a:t>
+            </a:r>
+            <a:br>
+              <a:rPr lang="en-US" b="1" dirty="0">
+                <a:latin typeface="Alice" panose="00000500000000000000" pitchFamily="2" charset="0"/>
+              </a:rPr>
+            </a:br>
+            <a:r>
+              <a:rPr lang="en-US" b="1" dirty="0">
+                <a:latin typeface="Alice" panose="00000500000000000000" pitchFamily="2" charset="0"/>
+              </a:rPr>
+              <a:t>word vector Graph</a:t>
             </a:r>
             <a:br>
               <a:rPr lang="en-US" b="1" dirty="0"/>
@@ -6363,7 +6281,12 @@
             <p:ph idx="1"/>
           </p:nvPr>
         </p:nvSpPr>
-        <p:spPr/>
+        <p:spPr>
+          <a:xfrm>
+            <a:off x="838200" y="2267488"/>
+            <a:ext cx="10515600" cy="3605538"/>
+          </a:xfrm>
+        </p:spPr>
         <p:txBody>
           <a:bodyPr/>
           <a:lstStyle/>
@@ -6372,49 +6295,60 @@
               <a:buNone/>
             </a:pPr>
             <a:r>
-              <a:rPr lang="en-US" dirty="0" err="1"/>
-              <a:t>Gridsearch</a:t>
-            </a:r>
-            <a:endParaRPr lang="en-US" dirty="0"/>
+              <a:rPr lang="en-US" sz="3200" dirty="0" err="1">
+                <a:latin typeface="Alice" panose="00000500000000000000" pitchFamily="2" charset="0"/>
+              </a:rPr>
+              <a:t>tsne</a:t>
+            </a:r>
+            <a:r>
+              <a:rPr lang="en-US" sz="3200" dirty="0">
+                <a:latin typeface="Alice" panose="00000500000000000000" pitchFamily="2" charset="0"/>
+              </a:rPr>
+              <a:t>: </a:t>
+            </a:r>
           </a:p>
           <a:p>
             <a:pPr marL="0" indent="0">
               <a:buNone/>
             </a:pPr>
             <a:r>
-              <a:rPr lang="en-US" dirty="0" err="1"/>
-              <a:t>tsne</a:t>
-            </a:r>
-            <a:endParaRPr lang="en-US" dirty="0"/>
+              <a:rPr lang="en-US" sz="3200" dirty="0">
+                <a:latin typeface="Alice" panose="00000500000000000000" pitchFamily="2" charset="0"/>
+              </a:rPr>
+              <a:t>	a dimension reduction algorithm</a:t>
+            </a:r>
           </a:p>
           <a:p>
             <a:pPr marL="0" indent="0">
               <a:buNone/>
             </a:pPr>
             <a:r>
-              <a:rPr lang="en-US" dirty="0"/>
-              <a:t>How good is this vector representation? </a:t>
-            </a:r>
-            <a:br>
-              <a:rPr lang="en-US" dirty="0"/>
-            </a:br>
-            <a:r>
-              <a:rPr lang="en-US" dirty="0"/>
-              <a:t>show this using graphs </a:t>
-            </a:r>
-            <a:br>
-              <a:rPr lang="en-US" dirty="0"/>
-            </a:br>
-            <a:r>
-              <a:rPr lang="en-US" dirty="0"/>
-              <a:t>Hey Zack I am having trouble graphing this so I will do it later </a:t>
-            </a:r>
-            <a:br>
-              <a:rPr lang="en-US" dirty="0"/>
-            </a:br>
-            <a:r>
-              <a:rPr lang="en-US" dirty="0"/>
-              <a:t>moving on to doc2vec</a:t>
+              <a:rPr lang="en-US" sz="3200" dirty="0">
+                <a:latin typeface="Alice" panose="00000500000000000000" pitchFamily="2" charset="0"/>
+              </a:rPr>
+              <a:t>Preserves :</a:t>
+            </a:r>
+          </a:p>
+          <a:p>
+            <a:pPr marL="0" indent="0">
+              <a:buNone/>
+            </a:pPr>
+            <a:r>
+              <a:rPr lang="en-US" sz="3200" dirty="0">
+                <a:latin typeface="Alice" panose="00000500000000000000" pitchFamily="2" charset="0"/>
+              </a:rPr>
+              <a:t>	global geometry </a:t>
+            </a:r>
+          </a:p>
+          <a:p>
+            <a:pPr marL="0" indent="0">
+              <a:buNone/>
+            </a:pPr>
+            <a:r>
+              <a:rPr lang="en-US" sz="3200" dirty="0">
+                <a:latin typeface="Alice" panose="00000500000000000000" pitchFamily="2" charset="0"/>
+              </a:rPr>
+              <a:t>	local geometry</a:t>
             </a:r>
           </a:p>
           <a:p>
@@ -6435,7 +6369,7 @@
 </p:sld>
 </file>
 
-<file path=ppt/slides/slide12.xml><?xml version="1.0" encoding="utf-8"?>
+<file path=ppt/slides/slide11.xml><?xml version="1.0" encoding="utf-8"?>
 <p:sld xmlns:a="http://schemas.openxmlformats.org/drawingml/2006/main" xmlns:r="http://schemas.openxmlformats.org/officeDocument/2006/relationships" xmlns:p="http://schemas.openxmlformats.org/presentationml/2006/main">
   <p:cSld>
     <p:spTree>
@@ -9454,7 +9388,7 @@
 </p:sld>
 </file>
 
-<file path=ppt/slides/slide13.xml><?xml version="1.0" encoding="utf-8"?>
+<file path=ppt/slides/slide12.xml><?xml version="1.0" encoding="utf-8"?>
 <p:sld xmlns:a="http://schemas.openxmlformats.org/drawingml/2006/main" xmlns:r="http://schemas.openxmlformats.org/officeDocument/2006/relationships" xmlns:p="http://schemas.openxmlformats.org/presentationml/2006/main">
   <p:cSld>
     <p:spTree>
@@ -9914,7 +9848,7 @@
 </p:sld>
 </file>
 
-<file path=ppt/slides/slide14.xml><?xml version="1.0" encoding="utf-8"?>
+<file path=ppt/slides/slide13.xml><?xml version="1.0" encoding="utf-8"?>
 <p:sld xmlns:a="http://schemas.openxmlformats.org/drawingml/2006/main" xmlns:r="http://schemas.openxmlformats.org/officeDocument/2006/relationships" xmlns:p="http://schemas.openxmlformats.org/presentationml/2006/main">
   <p:cSld>
     <p:spTree>
@@ -10259,7 +10193,7 @@
 </p:sld>
 </file>
 
-<file path=ppt/slides/slide15.xml><?xml version="1.0" encoding="utf-8"?>
+<file path=ppt/slides/slide14.xml><?xml version="1.0" encoding="utf-8"?>
 <p:sld xmlns:a="http://schemas.openxmlformats.org/drawingml/2006/main" xmlns:r="http://schemas.openxmlformats.org/officeDocument/2006/relationships" xmlns:p="http://schemas.openxmlformats.org/presentationml/2006/main">
   <p:cSld>
     <p:spTree>
@@ -12005,6 +11939,139 @@
 </p:sld>
 </file>
 
+<file path=ppt/slides/slide15.xml><?xml version="1.0" encoding="utf-8"?>
+<p:sld xmlns:a="http://schemas.openxmlformats.org/drawingml/2006/main" xmlns:r="http://schemas.openxmlformats.org/officeDocument/2006/relationships" xmlns:p="http://schemas.openxmlformats.org/presentationml/2006/main">
+  <p:cSld>
+    <p:spTree>
+      <p:nvGrpSpPr>
+        <p:cNvPr id="1" name=""/>
+        <p:cNvGrpSpPr/>
+        <p:nvPr/>
+      </p:nvGrpSpPr>
+      <p:grpSpPr>
+        <a:xfrm>
+          <a:off x="0" y="0"/>
+          <a:ext cx="0" cy="0"/>
+          <a:chOff x="0" y="0"/>
+          <a:chExt cx="0" cy="0"/>
+        </a:xfrm>
+      </p:grpSpPr>
+      <p:sp>
+        <p:nvSpPr>
+          <p:cNvPr id="2" name="Title 1">
+            <a:extLst>
+              <a:ext uri="{FF2B5EF4-FFF2-40B4-BE49-F238E27FC236}">
+                <a16:creationId xmlns:a16="http://schemas.microsoft.com/office/drawing/2014/main" id="{8CC16BE2-904A-497C-8AA5-1B0EBB305B45}"/>
+              </a:ext>
+            </a:extLst>
+          </p:cNvPr>
+          <p:cNvSpPr>
+            <a:spLocks noGrp="1"/>
+          </p:cNvSpPr>
+          <p:nvPr>
+            <p:ph type="title"/>
+          </p:nvPr>
+        </p:nvSpPr>
+        <p:spPr/>
+        <p:txBody>
+          <a:bodyPr/>
+          <a:lstStyle/>
+          <a:p>
+            <a:pPr algn="ctr"/>
+            <a:r>
+              <a:rPr lang="en-US" dirty="0">
+                <a:latin typeface="Alice" panose="00000500000000000000" pitchFamily="2" charset="0"/>
+              </a:rPr>
+              <a:t>Future work</a:t>
+            </a:r>
+          </a:p>
+        </p:txBody>
+      </p:sp>
+      <p:sp>
+        <p:nvSpPr>
+          <p:cNvPr id="3" name="Content Placeholder 2">
+            <a:extLst>
+              <a:ext uri="{FF2B5EF4-FFF2-40B4-BE49-F238E27FC236}">
+                <a16:creationId xmlns:a16="http://schemas.microsoft.com/office/drawing/2014/main" id="{1B1A71B8-3A59-4984-A50E-285BA1825582}"/>
+              </a:ext>
+            </a:extLst>
+          </p:cNvPr>
+          <p:cNvSpPr>
+            <a:spLocks noGrp="1"/>
+          </p:cNvSpPr>
+          <p:nvPr>
+            <p:ph idx="1"/>
+          </p:nvPr>
+        </p:nvSpPr>
+        <p:spPr/>
+        <p:txBody>
+          <a:bodyPr/>
+          <a:lstStyle/>
+          <a:p>
+            <a:r>
+              <a:rPr lang="en-US" dirty="0">
+                <a:latin typeface="Alice" panose="00000500000000000000" pitchFamily="2" charset="0"/>
+              </a:rPr>
+              <a:t>Different model</a:t>
+            </a:r>
+          </a:p>
+          <a:p>
+            <a:endParaRPr lang="en-US" dirty="0">
+              <a:latin typeface="Alice" panose="00000500000000000000" pitchFamily="2" charset="0"/>
+            </a:endParaRPr>
+          </a:p>
+          <a:p>
+            <a:r>
+              <a:rPr lang="en-US" dirty="0">
+                <a:latin typeface="Alice" panose="00000500000000000000" pitchFamily="2" charset="0"/>
+              </a:rPr>
+              <a:t>Clustering before modeling: rating does not match review</a:t>
+            </a:r>
+          </a:p>
+          <a:p>
+            <a:endParaRPr lang="en-US" dirty="0">
+              <a:latin typeface="Alice" panose="00000500000000000000" pitchFamily="2" charset="0"/>
+            </a:endParaRPr>
+          </a:p>
+          <a:p>
+            <a:r>
+              <a:rPr lang="en-US" dirty="0">
+                <a:latin typeface="Alice" panose="00000500000000000000" pitchFamily="2" charset="0"/>
+              </a:rPr>
+              <a:t>Lager corpus</a:t>
+            </a:r>
+          </a:p>
+          <a:p>
+            <a:endParaRPr lang="en-US" dirty="0">
+              <a:latin typeface="Alice" panose="00000500000000000000" pitchFamily="2" charset="0"/>
+            </a:endParaRPr>
+          </a:p>
+          <a:p>
+            <a:r>
+              <a:rPr lang="en-US" dirty="0">
+                <a:latin typeface="Alice" panose="00000500000000000000" pitchFamily="2" charset="0"/>
+              </a:rPr>
+              <a:t>In-depth analysis of the weight of the review</a:t>
+            </a:r>
+          </a:p>
+          <a:p>
+            <a:endParaRPr lang="en-US" dirty="0"/>
+          </a:p>
+        </p:txBody>
+      </p:sp>
+    </p:spTree>
+    <p:extLst>
+      <p:ext uri="{BB962C8B-B14F-4D97-AF65-F5344CB8AC3E}">
+        <p14:creationId xmlns:p14="http://schemas.microsoft.com/office/powerpoint/2010/main" val="1456591451"/>
+      </p:ext>
+    </p:extLst>
+  </p:cSld>
+  <p:clrMapOvr>
+    <a:masterClrMapping/>
+  </p:clrMapOvr>
+</p:sld>
+</file>
+
 <file path=ppt/slides/slide16.xml><?xml version="1.0" encoding="utf-8"?>
 <p:sld xmlns:a="http://schemas.openxmlformats.org/drawingml/2006/main" xmlns:r="http://schemas.openxmlformats.org/officeDocument/2006/relationships" xmlns:p="http://schemas.openxmlformats.org/presentationml/2006/main">
   <p:cSld>
@@ -12027,7 +12094,7 @@
           <p:cNvPr id="2" name="Title 1">
             <a:extLst>
               <a:ext uri="{FF2B5EF4-FFF2-40B4-BE49-F238E27FC236}">
-                <a16:creationId xmlns:a16="http://schemas.microsoft.com/office/drawing/2014/main" id="{8CC16BE2-904A-497C-8AA5-1B0EBB305B45}"/>
+                <a16:creationId xmlns:a16="http://schemas.microsoft.com/office/drawing/2014/main" id="{200EFD83-9287-41CC-BE51-1B9C071DAAB7}"/>
               </a:ext>
             </a:extLst>
           </p:cNvPr>
@@ -12048,7 +12115,7 @@
               <a:rPr lang="en-US" dirty="0">
                 <a:latin typeface="Alice" panose="00000500000000000000" pitchFamily="2" charset="0"/>
               </a:rPr>
-              <a:t>Future work</a:t>
+              <a:t>Thank you </a:t>
             </a:r>
           </a:p>
         </p:txBody>
@@ -12058,7 +12125,7 @@
           <p:cNvPr id="3" name="Content Placeholder 2">
             <a:extLst>
               <a:ext uri="{FF2B5EF4-FFF2-40B4-BE49-F238E27FC236}">
-                <a16:creationId xmlns:a16="http://schemas.microsoft.com/office/drawing/2014/main" id="{1B1A71B8-3A59-4984-A50E-285BA1825582}"/>
+                <a16:creationId xmlns:a16="http://schemas.microsoft.com/office/drawing/2014/main" id="{06C58C93-74B7-453B-8B20-AFB4E5D29DEA}"/>
               </a:ext>
             </a:extLst>
           </p:cNvPr>
@@ -12074,61 +12141,14 @@
           <a:bodyPr/>
           <a:lstStyle/>
           <a:p>
-            <a:r>
-              <a:rPr lang="en-US" dirty="0">
-                <a:latin typeface="Alice" panose="00000500000000000000" pitchFamily="2" charset="0"/>
-              </a:rPr>
-              <a:t>Different model</a:t>
-            </a:r>
-          </a:p>
-          <a:p>
-            <a:endParaRPr lang="en-US" dirty="0">
-              <a:latin typeface="Alice" panose="00000500000000000000" pitchFamily="2" charset="0"/>
-            </a:endParaRPr>
-          </a:p>
-          <a:p>
-            <a:r>
-              <a:rPr lang="en-US" dirty="0">
-                <a:latin typeface="Alice" panose="00000500000000000000" pitchFamily="2" charset="0"/>
-              </a:rPr>
-              <a:t>Clustering before modeling: rating does not match review</a:t>
-            </a:r>
-          </a:p>
-          <a:p>
-            <a:endParaRPr lang="en-US" dirty="0">
-              <a:latin typeface="Alice" panose="00000500000000000000" pitchFamily="2" charset="0"/>
-            </a:endParaRPr>
-          </a:p>
-          <a:p>
-            <a:r>
-              <a:rPr lang="en-US" dirty="0">
-                <a:latin typeface="Alice" panose="00000500000000000000" pitchFamily="2" charset="0"/>
-              </a:rPr>
-              <a:t>Lager corpus</a:t>
-            </a:r>
-          </a:p>
-          <a:p>
-            <a:endParaRPr lang="en-US" dirty="0">
-              <a:latin typeface="Alice" panose="00000500000000000000" pitchFamily="2" charset="0"/>
-            </a:endParaRPr>
-          </a:p>
-          <a:p>
-            <a:r>
-              <a:rPr lang="en-US" dirty="0">
-                <a:latin typeface="Alice" panose="00000500000000000000" pitchFamily="2" charset="0"/>
-              </a:rPr>
-              <a:t>In-depth analysis of the weight of the review</a:t>
-            </a:r>
-          </a:p>
-          <a:p>
-            <a:endParaRPr lang="en-US" dirty="0"/>
+            <a:endParaRPr lang="en-US"/>
           </a:p>
         </p:txBody>
       </p:sp>
     </p:spTree>
     <p:extLst>
       <p:ext uri="{BB962C8B-B14F-4D97-AF65-F5344CB8AC3E}">
-        <p14:creationId xmlns:p14="http://schemas.microsoft.com/office/powerpoint/2010/main" val="1456591451"/>
+        <p14:creationId xmlns:p14="http://schemas.microsoft.com/office/powerpoint/2010/main" val="1279739294"/>
       </p:ext>
     </p:extLst>
   </p:cSld>
@@ -12160,7 +12180,7 @@
           <p:cNvPr id="2" name="Title 1">
             <a:extLst>
               <a:ext uri="{FF2B5EF4-FFF2-40B4-BE49-F238E27FC236}">
-                <a16:creationId xmlns:a16="http://schemas.microsoft.com/office/drawing/2014/main" id="{200EFD83-9287-41CC-BE51-1B9C071DAAB7}"/>
+                <a16:creationId xmlns:a16="http://schemas.microsoft.com/office/drawing/2014/main" id="{07B966C4-9FEE-4E3F-8530-132000AE4E33}"/>
               </a:ext>
             </a:extLst>
           </p:cNvPr>
@@ -12176,12 +12196,9 @@
           <a:bodyPr/>
           <a:lstStyle/>
           <a:p>
-            <a:pPr algn="ctr"/>
-            <a:r>
-              <a:rPr lang="en-US" dirty="0">
-                <a:latin typeface="Alice" panose="00000500000000000000" pitchFamily="2" charset="0"/>
-              </a:rPr>
-              <a:t>Thank you </a:t>
+            <a:r>
+              <a:rPr lang="en-US" dirty="0"/>
+              <a:t>Task list</a:t>
             </a:r>
           </a:p>
         </p:txBody>
@@ -12191,7 +12208,7 @@
           <p:cNvPr id="3" name="Content Placeholder 2">
             <a:extLst>
               <a:ext uri="{FF2B5EF4-FFF2-40B4-BE49-F238E27FC236}">
-                <a16:creationId xmlns:a16="http://schemas.microsoft.com/office/drawing/2014/main" id="{06C58C93-74B7-453B-8B20-AFB4E5D29DEA}"/>
+                <a16:creationId xmlns:a16="http://schemas.microsoft.com/office/drawing/2014/main" id="{D6B3A8AC-CEF9-4C8B-A66E-D3D9C31C4DC4}"/>
               </a:ext>
             </a:extLst>
           </p:cNvPr>
@@ -12204,17 +12221,213 @@
         </p:nvSpPr>
         <p:spPr/>
         <p:txBody>
-          <a:bodyPr/>
+          <a:bodyPr>
+            <a:normAutofit fontScale="62500" lnSpcReduction="20000"/>
+          </a:bodyPr>
           <a:lstStyle/>
           <a:p>
-            <a:endParaRPr lang="en-US"/>
+            <a:r>
+              <a:rPr lang="en-US" dirty="0"/>
+              <a:t>Importing the data</a:t>
+            </a:r>
+          </a:p>
+          <a:p>
+            <a:r>
+              <a:rPr lang="en-US" dirty="0"/>
+              <a:t>Cleaning the review text:</a:t>
+            </a:r>
+          </a:p>
+          <a:p>
+            <a:pPr lvl="1"/>
+            <a:r>
+              <a:rPr lang="en-US" dirty="0"/>
+              <a:t>Regular expression operations (re): removed </a:t>
+            </a:r>
+            <a:r>
+              <a:rPr lang="en-US" dirty="0" err="1"/>
+              <a:t>spicfied</a:t>
+            </a:r>
+            <a:r>
+              <a:rPr lang="en-US" dirty="0"/>
+              <a:t> strings</a:t>
+            </a:r>
+          </a:p>
+          <a:p>
+            <a:pPr lvl="1"/>
+            <a:r>
+              <a:rPr lang="en-US" dirty="0"/>
+              <a:t>beautiful soup: HTML tags</a:t>
+            </a:r>
+          </a:p>
+          <a:p>
+            <a:pPr lvl="1"/>
+            <a:r>
+              <a:rPr lang="en-US" dirty="0"/>
+              <a:t>NLTK: parts of </a:t>
+            </a:r>
+            <a:r>
+              <a:rPr lang="en-US" dirty="0" err="1"/>
+              <a:t>speach</a:t>
+            </a:r>
+            <a:endParaRPr lang="en-US" dirty="0"/>
+          </a:p>
+          <a:p>
+            <a:pPr lvl="1"/>
+            <a:r>
+              <a:rPr lang="en-US" dirty="0"/>
+              <a:t>python functions</a:t>
+            </a:r>
+          </a:p>
+          <a:p>
+            <a:r>
+              <a:rPr lang="en-US" dirty="0" err="1"/>
+              <a:t>Vetorizing</a:t>
+            </a:r>
+            <a:r>
+              <a:rPr lang="en-US" dirty="0"/>
+              <a:t> using Word2Vec:</a:t>
+            </a:r>
+          </a:p>
+          <a:p>
+            <a:pPr lvl="1"/>
+            <a:r>
+              <a:rPr lang="en-US" dirty="0"/>
+              <a:t>Test vectors</a:t>
+            </a:r>
+          </a:p>
+          <a:p>
+            <a:pPr lvl="1"/>
+            <a:r>
+              <a:rPr lang="en-US" dirty="0"/>
+              <a:t>Graph word vectors:</a:t>
+            </a:r>
+          </a:p>
+          <a:p>
+            <a:pPr lvl="2"/>
+            <a:r>
+              <a:rPr lang="en-US" dirty="0"/>
+              <a:t>Reduce vectors to two dimension using </a:t>
+            </a:r>
+            <a:r>
+              <a:rPr lang="en-US" dirty="0" err="1"/>
+              <a:t>tsne</a:t>
+            </a:r>
+            <a:endParaRPr lang="en-US" dirty="0"/>
+          </a:p>
+          <a:p>
+            <a:pPr lvl="1"/>
+            <a:r>
+              <a:rPr lang="en-US" dirty="0"/>
+              <a:t>Average the vectors of words in the documents to create document vectors representation</a:t>
+            </a:r>
+          </a:p>
+          <a:p>
+            <a:pPr lvl="2"/>
+            <a:r>
+              <a:rPr lang="en-US" dirty="0" err="1"/>
+              <a:t>Creat</a:t>
+            </a:r>
+            <a:r>
+              <a:rPr lang="en-US" dirty="0"/>
+              <a:t> a classifier Multi level </a:t>
+            </a:r>
+            <a:r>
+              <a:rPr lang="en-US" dirty="0" err="1"/>
+              <a:t>preceptron</a:t>
+            </a:r>
+            <a:r>
+              <a:rPr lang="en-US" dirty="0"/>
+              <a:t> (MLP) model using the documents vectors</a:t>
+            </a:r>
+          </a:p>
+          <a:p>
+            <a:pPr lvl="3"/>
+            <a:r>
+              <a:rPr lang="en-US" dirty="0"/>
+              <a:t>model was run for few different hyperparameters with activation='</a:t>
+            </a:r>
+            <a:r>
+              <a:rPr lang="en-US" dirty="0" err="1"/>
+              <a:t>relu</a:t>
+            </a:r>
+            <a:r>
+              <a:rPr lang="en-US" dirty="0"/>
+              <a:t>' due to lack of </a:t>
+            </a:r>
+            <a:r>
+              <a:rPr lang="en-US" dirty="0" err="1"/>
+              <a:t>resouces</a:t>
+            </a:r>
+            <a:endParaRPr lang="en-US" dirty="0"/>
+          </a:p>
+          <a:p>
+            <a:pPr lvl="3"/>
+            <a:r>
+              <a:rPr lang="en-US" dirty="0" err="1"/>
+              <a:t>gridsearch</a:t>
+            </a:r>
+            <a:r>
+              <a:rPr lang="en-US" dirty="0"/>
+              <a:t> was run for hyperparameter with activation='logistic' on </a:t>
+            </a:r>
+            <a:r>
+              <a:rPr lang="en-US" dirty="0" err="1"/>
+              <a:t>differen</a:t>
+            </a:r>
+            <a:r>
+              <a:rPr lang="en-US" dirty="0"/>
+              <a:t> computer.</a:t>
+            </a:r>
+          </a:p>
+          <a:p>
+            <a:pPr lvl="2"/>
+            <a:r>
+              <a:rPr lang="en-US" dirty="0"/>
+              <a:t>Try out ELM</a:t>
+            </a:r>
+          </a:p>
+          <a:p>
+            <a:pPr lvl="1"/>
+            <a:r>
+              <a:rPr lang="en-US" dirty="0" err="1"/>
+              <a:t>Vetorization</a:t>
+            </a:r>
+            <a:r>
+              <a:rPr lang="en-US" dirty="0"/>
+              <a:t> using Doc2Vec</a:t>
+            </a:r>
+          </a:p>
+          <a:p>
+            <a:pPr lvl="2"/>
+            <a:r>
+              <a:rPr lang="en-US" dirty="0"/>
+              <a:t>Test vectors</a:t>
+            </a:r>
+          </a:p>
+          <a:p>
+            <a:pPr lvl="2"/>
+            <a:r>
+              <a:rPr lang="en-US" dirty="0"/>
+              <a:t>Unable to graph</a:t>
+            </a:r>
+          </a:p>
+          <a:p>
+            <a:pPr lvl="2"/>
+            <a:r>
+              <a:rPr lang="en-US" dirty="0" err="1"/>
+              <a:t>gridsearch</a:t>
+            </a:r>
+            <a:endParaRPr lang="en-US" dirty="0"/>
+          </a:p>
+          <a:p>
+            <a:endParaRPr lang="en-US" dirty="0"/>
           </a:p>
         </p:txBody>
       </p:sp>
     </p:spTree>
     <p:extLst>
       <p:ext uri="{BB962C8B-B14F-4D97-AF65-F5344CB8AC3E}">
-        <p14:creationId xmlns:p14="http://schemas.microsoft.com/office/powerpoint/2010/main" val="1279739294"/>
+        <p14:creationId xmlns:p14="http://schemas.microsoft.com/office/powerpoint/2010/main" val="1329867552"/>
       </p:ext>
     </p:extLst>
   </p:cSld>
@@ -12246,7 +12459,7 @@
           <p:cNvPr id="2" name="Title 1">
             <a:extLst>
               <a:ext uri="{FF2B5EF4-FFF2-40B4-BE49-F238E27FC236}">
-                <a16:creationId xmlns:a16="http://schemas.microsoft.com/office/drawing/2014/main" id="{07B966C4-9FEE-4E3F-8530-132000AE4E33}"/>
+                <a16:creationId xmlns:a16="http://schemas.microsoft.com/office/drawing/2014/main" id="{E8D3F93F-93BF-45BE-B3C0-F0242529822A}"/>
               </a:ext>
             </a:extLst>
           </p:cNvPr>
@@ -12259,13 +12472,16 @@
         </p:nvSpPr>
         <p:spPr/>
         <p:txBody>
-          <a:bodyPr/>
+          <a:bodyPr>
+            <a:normAutofit/>
+          </a:bodyPr>
           <a:lstStyle/>
           <a:p>
             <a:r>
-              <a:rPr lang="en-US" dirty="0"/>
-              <a:t>Task list</a:t>
-            </a:r>
+              <a:rPr lang="en-US" b="1" dirty="0"/>
+              <a:t>Average the vector</a:t>
+            </a:r>
+            <a:endParaRPr lang="en-US" dirty="0"/>
           </a:p>
         </p:txBody>
       </p:sp>
@@ -12274,7 +12490,7 @@
           <p:cNvPr id="3" name="Content Placeholder 2">
             <a:extLst>
               <a:ext uri="{FF2B5EF4-FFF2-40B4-BE49-F238E27FC236}">
-                <a16:creationId xmlns:a16="http://schemas.microsoft.com/office/drawing/2014/main" id="{D6B3A8AC-CEF9-4C8B-A66E-D3D9C31C4DC4}"/>
+                <a16:creationId xmlns:a16="http://schemas.microsoft.com/office/drawing/2014/main" id="{295D1206-E51F-46A7-A16B-7DD82F2A97F4}"/>
               </a:ext>
             </a:extLst>
           </p:cNvPr>
@@ -12287,213 +12503,34 @@
         </p:nvSpPr>
         <p:spPr/>
         <p:txBody>
-          <a:bodyPr>
-            <a:normAutofit fontScale="62500" lnSpcReduction="20000"/>
-          </a:bodyPr>
+          <a:bodyPr/>
           <a:lstStyle/>
           <a:p>
             <a:r>
               <a:rPr lang="en-US" dirty="0"/>
-              <a:t>Importing the data</a:t>
+              <a:t>Build class to take the average of each review vector to represent that review</a:t>
             </a:r>
           </a:p>
           <a:p>
             <a:r>
               <a:rPr lang="en-US" dirty="0"/>
-              <a:t>Cleaning the review text:</a:t>
-            </a:r>
-          </a:p>
-          <a:p>
-            <a:pPr lvl="1"/>
+              <a:t>Now that we have vector representation of the words in our corpus, we need to use it to create vector representation of the documents to pass it into the classifier neurol network. One way to do that is to take the average of the word vectors in the documents and use the averaged word vector to </a:t>
+            </a:r>
+            <a:r>
+              <a:rPr lang="en-US" dirty="0" err="1"/>
+              <a:t>reprsent</a:t>
+            </a:r>
             <a:r>
               <a:rPr lang="en-US" dirty="0"/>
-              <a:t>Regular expression operations (re): removed </a:t>
-            </a:r>
-            <a:r>
-              <a:rPr lang="en-US" dirty="0" err="1"/>
-              <a:t>spicfied</a:t>
-            </a:r>
-            <a:r>
-              <a:rPr lang="en-US" dirty="0"/>
-              <a:t> strings</a:t>
-            </a:r>
-          </a:p>
-          <a:p>
-            <a:pPr lvl="1"/>
-            <a:r>
-              <a:rPr lang="en-US" dirty="0"/>
-              <a:t>beautiful soup: HTML tags</a:t>
-            </a:r>
-          </a:p>
-          <a:p>
-            <a:pPr lvl="1"/>
-            <a:r>
-              <a:rPr lang="en-US" dirty="0"/>
-              <a:t>NLTK: parts of </a:t>
-            </a:r>
-            <a:r>
-              <a:rPr lang="en-US" dirty="0" err="1"/>
-              <a:t>speach</a:t>
-            </a:r>
-            <a:endParaRPr lang="en-US" dirty="0"/>
-          </a:p>
-          <a:p>
-            <a:pPr lvl="1"/>
-            <a:r>
-              <a:rPr lang="en-US" dirty="0"/>
-              <a:t>python functions</a:t>
-            </a:r>
-          </a:p>
-          <a:p>
-            <a:r>
-              <a:rPr lang="en-US" dirty="0" err="1"/>
-              <a:t>Vetorizing</a:t>
-            </a:r>
-            <a:r>
-              <a:rPr lang="en-US" dirty="0"/>
-              <a:t> using Word2Vec:</a:t>
-            </a:r>
-          </a:p>
-          <a:p>
-            <a:pPr lvl="1"/>
-            <a:r>
-              <a:rPr lang="en-US" dirty="0"/>
-              <a:t>Test vectors</a:t>
-            </a:r>
-          </a:p>
-          <a:p>
-            <a:pPr lvl="1"/>
-            <a:r>
-              <a:rPr lang="en-US" dirty="0"/>
-              <a:t>Graph word vectors:</a:t>
-            </a:r>
-          </a:p>
-          <a:p>
-            <a:pPr lvl="2"/>
-            <a:r>
-              <a:rPr lang="en-US" dirty="0"/>
-              <a:t>Reduce vectors to two dimension using </a:t>
-            </a:r>
-            <a:r>
-              <a:rPr lang="en-US" dirty="0" err="1"/>
-              <a:t>tsne</a:t>
-            </a:r>
-            <a:endParaRPr lang="en-US" dirty="0"/>
-          </a:p>
-          <a:p>
-            <a:pPr lvl="1"/>
-            <a:r>
-              <a:rPr lang="en-US" dirty="0"/>
-              <a:t>Average the vectors of words in the documents to create document vectors representation</a:t>
-            </a:r>
-          </a:p>
-          <a:p>
-            <a:pPr lvl="2"/>
-            <a:r>
-              <a:rPr lang="en-US" dirty="0" err="1"/>
-              <a:t>Creat</a:t>
-            </a:r>
-            <a:r>
-              <a:rPr lang="en-US" dirty="0"/>
-              <a:t> a classifier Multi level </a:t>
-            </a:r>
-            <a:r>
-              <a:rPr lang="en-US" dirty="0" err="1"/>
-              <a:t>preceptron</a:t>
-            </a:r>
-            <a:r>
-              <a:rPr lang="en-US" dirty="0"/>
-              <a:t> (MLP) model using the documents vectors</a:t>
-            </a:r>
-          </a:p>
-          <a:p>
-            <a:pPr lvl="3"/>
-            <a:r>
-              <a:rPr lang="en-US" dirty="0"/>
-              <a:t>model was run for few different hyperparameters with activation='</a:t>
-            </a:r>
-            <a:r>
-              <a:rPr lang="en-US" dirty="0" err="1"/>
-              <a:t>relu</a:t>
-            </a:r>
-            <a:r>
-              <a:rPr lang="en-US" dirty="0"/>
-              <a:t>' due to lack of </a:t>
-            </a:r>
-            <a:r>
-              <a:rPr lang="en-US" dirty="0" err="1"/>
-              <a:t>resouces</a:t>
-            </a:r>
-            <a:endParaRPr lang="en-US" dirty="0"/>
-          </a:p>
-          <a:p>
-            <a:pPr lvl="3"/>
-            <a:r>
-              <a:rPr lang="en-US" dirty="0" err="1"/>
-              <a:t>gridsearch</a:t>
-            </a:r>
-            <a:r>
-              <a:rPr lang="en-US" dirty="0"/>
-              <a:t> was run for hyperparameter with activation='logistic' on </a:t>
-            </a:r>
-            <a:r>
-              <a:rPr lang="en-US" dirty="0" err="1"/>
-              <a:t>differen</a:t>
-            </a:r>
-            <a:r>
-              <a:rPr lang="en-US" dirty="0"/>
-              <a:t> computer.</a:t>
-            </a:r>
-          </a:p>
-          <a:p>
-            <a:pPr lvl="2"/>
-            <a:r>
-              <a:rPr lang="en-US" dirty="0"/>
-              <a:t>Try out ELM</a:t>
-            </a:r>
-          </a:p>
-          <a:p>
-            <a:pPr lvl="1"/>
-            <a:r>
-              <a:rPr lang="en-US" dirty="0" err="1"/>
-              <a:t>Vetorization</a:t>
-            </a:r>
-            <a:r>
-              <a:rPr lang="en-US" dirty="0"/>
-              <a:t> using Doc2Vec</a:t>
-            </a:r>
-          </a:p>
-          <a:p>
-            <a:pPr lvl="2"/>
-            <a:r>
-              <a:rPr lang="en-US" dirty="0"/>
-              <a:t>Test vectors</a:t>
-            </a:r>
-          </a:p>
-          <a:p>
-            <a:pPr lvl="2"/>
-            <a:r>
-              <a:rPr lang="en-US" dirty="0"/>
-              <a:t>Unable to graph</a:t>
-            </a:r>
-          </a:p>
-          <a:p>
-            <a:pPr lvl="2"/>
-            <a:r>
-              <a:rPr lang="en-US" dirty="0" err="1"/>
-              <a:t>gridsearch</a:t>
-            </a:r>
-            <a:endParaRPr lang="en-US" dirty="0"/>
-          </a:p>
-          <a:p>
-            <a:endParaRPr lang="en-US" dirty="0"/>
+              <a:t> the documents.</a:t>
+            </a:r>
           </a:p>
         </p:txBody>
       </p:sp>
     </p:spTree>
     <p:extLst>
       <p:ext uri="{BB962C8B-B14F-4D97-AF65-F5344CB8AC3E}">
-        <p14:creationId xmlns:p14="http://schemas.microsoft.com/office/powerpoint/2010/main" val="1329867552"/>
+        <p14:creationId xmlns:p14="http://schemas.microsoft.com/office/powerpoint/2010/main" val="1370103661"/>
       </p:ext>
     </p:extLst>
   </p:cSld>

--- a/FinalCapstonProject/Capston project.pptx
+++ b/FinalCapstonProject/Capston project.pptx
@@ -17,10 +17,10 @@
     <p:sldId id="261" r:id="rId8"/>
     <p:sldId id="269" r:id="rId9"/>
     <p:sldId id="276" r:id="rId10"/>
-    <p:sldId id="262" r:id="rId11"/>
-    <p:sldId id="272" r:id="rId12"/>
-    <p:sldId id="264" r:id="rId13"/>
-    <p:sldId id="265" r:id="rId14"/>
+    <p:sldId id="265" r:id="rId11"/>
+    <p:sldId id="262" r:id="rId12"/>
+    <p:sldId id="272" r:id="rId13"/>
+    <p:sldId id="264" r:id="rId14"/>
     <p:sldId id="277" r:id="rId15"/>
     <p:sldId id="266" r:id="rId16"/>
     <p:sldId id="278" r:id="rId17"/>
@@ -630,19 +630,7 @@
           <a:p>
             <a:r>
               <a:rPr lang="en-US" dirty="0"/>
-              <a:t>Method</a:t>
-            </a:r>
-          </a:p>
-          <a:p>
-            <a:r>
-              <a:rPr lang="en-US" dirty="0"/>
-              <a:t>	models</a:t>
-            </a:r>
-          </a:p>
-          <a:p>
-            <a:r>
-              <a:rPr lang="en-US" dirty="0"/>
-              <a:t>	</a:t>
+              <a:t>result</a:t>
             </a:r>
           </a:p>
         </p:txBody>
@@ -664,7 +652,7 @@
           <a:p>
             <a:fld id="{E17A8251-95F7-4384-BDF9-E9CC5F93AFDB}" type="slidenum">
               <a:rPr lang="en-US" smtClean="0"/>
-              <a:t>12</a:t>
+              <a:t>10</a:t>
             </a:fld>
             <a:endParaRPr lang="en-US"/>
           </a:p>
@@ -673,7 +661,7 @@
     </p:spTree>
     <p:extLst>
       <p:ext uri="{BB962C8B-B14F-4D97-AF65-F5344CB8AC3E}">
-        <p14:creationId xmlns:p14="http://schemas.microsoft.com/office/powerpoint/2010/main" val="2507088982"/>
+        <p14:creationId xmlns:p14="http://schemas.microsoft.com/office/powerpoint/2010/main" val="3030097059"/>
       </p:ext>
     </p:extLst>
   </p:cSld>
@@ -729,7 +717,19 @@
           <a:p>
             <a:r>
               <a:rPr lang="en-US" dirty="0"/>
-              <a:t>result</a:t>
+              <a:t>Method</a:t>
+            </a:r>
+          </a:p>
+          <a:p>
+            <a:r>
+              <a:rPr lang="en-US" dirty="0"/>
+              <a:t>	models</a:t>
+            </a:r>
+          </a:p>
+          <a:p>
+            <a:r>
+              <a:rPr lang="en-US" dirty="0"/>
+              <a:t>	</a:t>
             </a:r>
           </a:p>
         </p:txBody>
@@ -760,7 +760,7 @@
     </p:spTree>
     <p:extLst>
       <p:ext uri="{BB962C8B-B14F-4D97-AF65-F5344CB8AC3E}">
-        <p14:creationId xmlns:p14="http://schemas.microsoft.com/office/powerpoint/2010/main" val="3030097059"/>
+        <p14:creationId xmlns:p14="http://schemas.microsoft.com/office/powerpoint/2010/main" val="2507088982"/>
       </p:ext>
     </p:extLst>
   </p:cSld>
@@ -6217,6 +6217,351 @@
           <p:cNvPr id="2" name="Title 1">
             <a:extLst>
               <a:ext uri="{FF2B5EF4-FFF2-40B4-BE49-F238E27FC236}">
+                <a16:creationId xmlns:a16="http://schemas.microsoft.com/office/drawing/2014/main" id="{119C596B-4A3F-401B-9919-CE0A774A5BB9}"/>
+              </a:ext>
+            </a:extLst>
+          </p:cNvPr>
+          <p:cNvSpPr>
+            <a:spLocks noGrp="1"/>
+          </p:cNvSpPr>
+          <p:nvPr>
+            <p:ph type="title"/>
+          </p:nvPr>
+        </p:nvSpPr>
+        <p:spPr>
+          <a:xfrm>
+            <a:off x="0" y="0"/>
+            <a:ext cx="10515600" cy="1070913"/>
+          </a:xfrm>
+        </p:spPr>
+        <p:txBody>
+          <a:bodyPr/>
+          <a:lstStyle/>
+          <a:p>
+            <a:r>
+              <a:rPr lang="en-US" dirty="0">
+                <a:latin typeface="Alice" panose="00000500000000000000" pitchFamily="2" charset="0"/>
+              </a:rPr>
+              <a:t>Word2Vec vector</a:t>
+            </a:r>
+          </a:p>
+        </p:txBody>
+      </p:sp>
+      <p:sp>
+        <p:nvSpPr>
+          <p:cNvPr id="3" name="Content Placeholder 2">
+            <a:extLst>
+              <a:ext uri="{FF2B5EF4-FFF2-40B4-BE49-F238E27FC236}">
+                <a16:creationId xmlns:a16="http://schemas.microsoft.com/office/drawing/2014/main" id="{08F95419-9E09-4099-B67E-33E3023EBB5B}"/>
+              </a:ext>
+            </a:extLst>
+          </p:cNvPr>
+          <p:cNvSpPr>
+            <a:spLocks noGrp="1"/>
+          </p:cNvSpPr>
+          <p:nvPr>
+            <p:ph idx="1"/>
+          </p:nvPr>
+        </p:nvSpPr>
+        <p:spPr>
+          <a:xfrm>
+            <a:off x="690913" y="978729"/>
+            <a:ext cx="11018317" cy="5072267"/>
+          </a:xfrm>
+        </p:spPr>
+        <p:txBody>
+          <a:bodyPr>
+            <a:normAutofit/>
+          </a:bodyPr>
+          <a:lstStyle/>
+          <a:p>
+            <a:pPr marL="0" indent="0">
+              <a:buNone/>
+            </a:pPr>
+            <a:r>
+              <a:rPr lang="en-US" dirty="0">
+                <a:solidFill>
+                  <a:srgbClr val="0070C0"/>
+                </a:solidFill>
+              </a:rPr>
+              <a:t>Input </a:t>
+            </a:r>
+            <a:r>
+              <a:rPr lang="en-US" dirty="0"/>
+              <a:t>: print(</a:t>
+            </a:r>
+            <a:r>
+              <a:rPr lang="en-US" dirty="0" err="1"/>
+              <a:t>model.wv.most_similar</a:t>
+            </a:r>
+            <a:r>
+              <a:rPr lang="en-US" dirty="0"/>
+              <a:t>('great’))</a:t>
+            </a:r>
+          </a:p>
+          <a:p>
+            <a:pPr marL="0" indent="0">
+              <a:buNone/>
+            </a:pPr>
+            <a:r>
+              <a:rPr lang="en-US" dirty="0">
+                <a:solidFill>
+                  <a:srgbClr val="0070C0"/>
+                </a:solidFill>
+              </a:rPr>
+              <a:t>Output </a:t>
+            </a:r>
+            <a:r>
+              <a:rPr lang="en-US" dirty="0"/>
+              <a:t>: </a:t>
+            </a:r>
+            <a:r>
+              <a:rPr lang="en-US" altLang="en-US" sz="1600" dirty="0">
+                <a:solidFill>
+                  <a:srgbClr val="000000"/>
+                </a:solidFill>
+                <a:latin typeface="Courier New" panose="02070309020205020404" pitchFamily="49" charset="0"/>
+              </a:rPr>
+              <a:t>('wonderful', 0.7530227899551392), </a:t>
+            </a:r>
+          </a:p>
+          <a:p>
+            <a:pPr marL="0" indent="0">
+              <a:buNone/>
+            </a:pPr>
+            <a:r>
+              <a:rPr lang="en-US" altLang="en-US" sz="1600" dirty="0">
+                <a:solidFill>
+                  <a:srgbClr val="000000"/>
+                </a:solidFill>
+                <a:latin typeface="Courier New" panose="02070309020205020404" pitchFamily="49" charset="0"/>
+              </a:rPr>
+              <a:t>	  ('terrific', 0.7318073511123657), </a:t>
+            </a:r>
+            <a:endParaRPr lang="en-US" dirty="0"/>
+          </a:p>
+          <a:p>
+            <a:pPr marL="0" indent="0">
+              <a:buNone/>
+            </a:pPr>
+            <a:endParaRPr lang="en-US" dirty="0">
+              <a:latin typeface="Alice" panose="00000500000000000000" pitchFamily="2" charset="0"/>
+            </a:endParaRPr>
+          </a:p>
+          <a:p>
+            <a:pPr marL="0" indent="0">
+              <a:buNone/>
+            </a:pPr>
+            <a:r>
+              <a:rPr lang="en-US" dirty="0">
+                <a:latin typeface="Alice" panose="00000500000000000000" pitchFamily="2" charset="0"/>
+              </a:rPr>
+              <a:t>Which word doesn’t belong?</a:t>
+            </a:r>
+          </a:p>
+          <a:p>
+            <a:pPr marL="0" indent="0">
+              <a:buNone/>
+            </a:pPr>
+            <a:r>
+              <a:rPr lang="en-US" dirty="0"/>
+              <a:t>	</a:t>
+            </a:r>
+            <a:r>
+              <a:rPr lang="en-US" dirty="0">
+                <a:solidFill>
+                  <a:srgbClr val="0070C0"/>
+                </a:solidFill>
+              </a:rPr>
+              <a:t>Input</a:t>
+            </a:r>
+            <a:r>
+              <a:rPr lang="en-US" dirty="0"/>
+              <a:t>: </a:t>
+            </a:r>
+            <a:r>
+              <a:rPr lang="en-US" dirty="0">
+                <a:latin typeface="Alice" panose="00000500000000000000" pitchFamily="2" charset="0"/>
+              </a:rPr>
+              <a:t>("awesome bad awful terrible")    </a:t>
+            </a:r>
+            <a:r>
+              <a:rPr lang="en-US" dirty="0">
+                <a:solidFill>
+                  <a:srgbClr val="0070C0"/>
+                </a:solidFill>
+              </a:rPr>
+              <a:t>Output</a:t>
+            </a:r>
+            <a:r>
+              <a:rPr lang="en-US" dirty="0"/>
+              <a:t>: </a:t>
+            </a:r>
+            <a:r>
+              <a:rPr lang="en-US" dirty="0">
+                <a:latin typeface="Alice" panose="00000500000000000000" pitchFamily="2" charset="0"/>
+              </a:rPr>
+              <a:t>“awesome”</a:t>
+            </a:r>
+          </a:p>
+          <a:p>
+            <a:pPr marL="0" indent="0">
+              <a:buNone/>
+            </a:pPr>
+            <a:r>
+              <a:rPr lang="en-US" dirty="0"/>
+              <a:t>	</a:t>
+            </a:r>
+            <a:r>
+              <a:rPr lang="en-US" dirty="0">
+                <a:solidFill>
+                  <a:srgbClr val="0070C0"/>
+                </a:solidFill>
+              </a:rPr>
+              <a:t>Input</a:t>
+            </a:r>
+            <a:r>
+              <a:rPr lang="en-US" dirty="0"/>
+              <a:t>: </a:t>
+            </a:r>
+            <a:r>
+              <a:rPr lang="en-US" dirty="0">
+                <a:latin typeface="Alice" panose="00000500000000000000" pitchFamily="2" charset="0"/>
+              </a:rPr>
+              <a:t>("nice pleasant fine excellent")     </a:t>
+            </a:r>
+            <a:r>
+              <a:rPr lang="en-US" dirty="0">
+                <a:solidFill>
+                  <a:srgbClr val="0070C0"/>
+                </a:solidFill>
+              </a:rPr>
+              <a:t>Output</a:t>
+            </a:r>
+            <a:r>
+              <a:rPr lang="en-US" dirty="0"/>
+              <a:t>: </a:t>
+            </a:r>
+            <a:r>
+              <a:rPr lang="en-US" dirty="0">
+                <a:latin typeface="Alice" panose="00000500000000000000" pitchFamily="2" charset="0"/>
+              </a:rPr>
+              <a:t>“pleasant”</a:t>
+            </a:r>
+          </a:p>
+          <a:p>
+            <a:pPr marL="0" indent="0">
+              <a:buNone/>
+            </a:pPr>
+            <a:endParaRPr lang="en-US" dirty="0"/>
+          </a:p>
+          <a:p>
+            <a:pPr marL="0" indent="0">
+              <a:buNone/>
+            </a:pPr>
+            <a:r>
+              <a:rPr lang="en-US" dirty="0">
+                <a:latin typeface="Alice" panose="00000500000000000000" pitchFamily="2" charset="0"/>
+              </a:rPr>
+              <a:t>Classic test</a:t>
+            </a:r>
+          </a:p>
+          <a:p>
+            <a:pPr marL="0" indent="0">
+              <a:buNone/>
+            </a:pPr>
+            <a:r>
+              <a:rPr lang="en-US" dirty="0">
+                <a:solidFill>
+                  <a:srgbClr val="222222"/>
+                </a:solidFill>
+                <a:latin typeface="Alice" panose="00000500000000000000" pitchFamily="2" charset="0"/>
+              </a:rPr>
+              <a:t>	</a:t>
+            </a:r>
+            <a:r>
+              <a:rPr lang="en-US" dirty="0">
+                <a:solidFill>
+                  <a:srgbClr val="0070C0"/>
+                </a:solidFill>
+              </a:rPr>
+              <a:t> Input</a:t>
+            </a:r>
+            <a:r>
+              <a:rPr lang="en-US" dirty="0"/>
+              <a:t>:  </a:t>
+            </a:r>
+            <a:r>
+              <a:rPr lang="en-US" dirty="0">
+                <a:solidFill>
+                  <a:srgbClr val="222222"/>
+                </a:solidFill>
+                <a:latin typeface="Alice" panose="00000500000000000000" pitchFamily="2" charset="0"/>
+              </a:rPr>
+              <a:t>King – man + woman = ?      </a:t>
+            </a:r>
+            <a:r>
+              <a:rPr lang="en-US" dirty="0">
+                <a:solidFill>
+                  <a:srgbClr val="0070C0"/>
+                </a:solidFill>
+              </a:rPr>
+              <a:t>Output: </a:t>
+            </a:r>
+            <a:r>
+              <a:rPr lang="en-US" altLang="en-US" sz="2100" dirty="0">
+                <a:solidFill>
+                  <a:srgbClr val="000000"/>
+                </a:solidFill>
+                <a:latin typeface="Courier New" panose="02070309020205020404" pitchFamily="49" charset="0"/>
+              </a:rPr>
+              <a:t>('princess', 0.4177)</a:t>
+            </a:r>
+            <a:r>
+              <a:rPr lang="en-US" altLang="en-US" sz="2100" dirty="0"/>
+              <a:t> </a:t>
+            </a:r>
+            <a:endParaRPr lang="en-US" altLang="en-US" sz="2100" dirty="0">
+              <a:latin typeface="Arial" panose="020B0604020202020204" pitchFamily="34" charset="0"/>
+            </a:endParaRPr>
+          </a:p>
+        </p:txBody>
+      </p:sp>
+    </p:spTree>
+    <p:extLst>
+      <p:ext uri="{BB962C8B-B14F-4D97-AF65-F5344CB8AC3E}">
+        <p14:creationId xmlns:p14="http://schemas.microsoft.com/office/powerpoint/2010/main" val="969838221"/>
+      </p:ext>
+    </p:extLst>
+  </p:cSld>
+  <p:clrMapOvr>
+    <a:masterClrMapping/>
+  </p:clrMapOvr>
+</p:sld>
+</file>
+
+<file path=ppt/slides/slide11.xml><?xml version="1.0" encoding="utf-8"?>
+<p:sld xmlns:a="http://schemas.openxmlformats.org/drawingml/2006/main" xmlns:r="http://schemas.openxmlformats.org/officeDocument/2006/relationships" xmlns:p="http://schemas.openxmlformats.org/presentationml/2006/main">
+  <p:cSld>
+    <p:spTree>
+      <p:nvGrpSpPr>
+        <p:cNvPr id="1" name=""/>
+        <p:cNvGrpSpPr/>
+        <p:nvPr/>
+      </p:nvGrpSpPr>
+      <p:grpSpPr>
+        <a:xfrm>
+          <a:off x="0" y="0"/>
+          <a:ext cx="0" cy="0"/>
+          <a:chOff x="0" y="0"/>
+          <a:chExt cx="0" cy="0"/>
+        </a:xfrm>
+      </p:grpSpPr>
+      <p:sp>
+        <p:nvSpPr>
+          <p:cNvPr id="2" name="Title 1">
+            <a:extLst>
+              <a:ext uri="{FF2B5EF4-FFF2-40B4-BE49-F238E27FC236}">
                 <a16:creationId xmlns:a16="http://schemas.microsoft.com/office/drawing/2014/main" id="{8ACA1A9C-208E-4F16-AF8A-84D765942D7C}"/>
               </a:ext>
             </a:extLst>
@@ -6369,7 +6714,7 @@
 </p:sld>
 </file>
 
-<file path=ppt/slides/slide11.xml><?xml version="1.0" encoding="utf-8"?>
+<file path=ppt/slides/slide12.xml><?xml version="1.0" encoding="utf-8"?>
 <p:sld xmlns:a="http://schemas.openxmlformats.org/drawingml/2006/main" xmlns:r="http://schemas.openxmlformats.org/officeDocument/2006/relationships" xmlns:p="http://schemas.openxmlformats.org/presentationml/2006/main">
   <p:cSld>
     <p:spTree>
@@ -6691,7 +7036,7 @@
                     <a:p>
                       <a:pPr algn="ctr" rtl="0" fontAlgn="ctr"/>
                       <a:r>
-                        <a:rPr lang="en-US" sz="2000" b="0" i="0" u="none" strike="noStrike">
+                        <a:rPr lang="en-US" sz="2000" b="0" i="0" u="none" strike="noStrike" dirty="0">
                           <a:solidFill>
                             <a:srgbClr val="000000"/>
                           </a:solidFill>
@@ -7437,12 +7782,12 @@
                     <a:p>
                       <a:pPr algn="r" fontAlgn="ctr"/>
                       <a:r>
-                        <a:rPr lang="en-US" sz="2000" u="none" strike="noStrike">
+                        <a:rPr lang="en-US" sz="2000" u="none" strike="noStrike" dirty="0">
                           <a:effectLst/>
                         </a:rPr>
                         <a:t>0.40</a:t>
                       </a:r>
-                      <a:endParaRPr lang="en-US" sz="2000" b="0" i="0" u="none" strike="noStrike">
+                      <a:endParaRPr lang="en-US" sz="2000" b="0" i="0" u="none" strike="noStrike" dirty="0">
                         <a:solidFill>
                           <a:srgbClr val="000000"/>
                         </a:solidFill>
@@ -7460,12 +7805,12 @@
                     <a:p>
                       <a:pPr algn="r" fontAlgn="ctr"/>
                       <a:r>
-                        <a:rPr lang="en-US" sz="2000" u="none" strike="noStrike">
+                        <a:rPr lang="en-US" sz="2000" u="none" strike="noStrike" dirty="0">
                           <a:effectLst/>
                         </a:rPr>
                         <a:t>0.21</a:t>
                       </a:r>
-                      <a:endParaRPr lang="en-US" sz="2000" b="0" i="0" u="none" strike="noStrike">
+                      <a:endParaRPr lang="en-US" sz="2000" b="0" i="0" u="none" strike="noStrike" dirty="0">
                         <a:solidFill>
                           <a:srgbClr val="000000"/>
                         </a:solidFill>
@@ -7506,12 +7851,12 @@
                     <a:p>
                       <a:pPr algn="r" fontAlgn="ctr"/>
                       <a:r>
-                        <a:rPr lang="en-US" sz="2000" u="none" strike="noStrike">
+                        <a:rPr lang="en-US" sz="2000" u="none" strike="noStrike" dirty="0">
                           <a:effectLst/>
                         </a:rPr>
                         <a:t>0.32</a:t>
                       </a:r>
-                      <a:endParaRPr lang="en-US" sz="2000" b="0" i="0" u="none" strike="noStrike">
+                      <a:endParaRPr lang="en-US" sz="2000" b="0" i="0" u="none" strike="noStrike" dirty="0">
                         <a:solidFill>
                           <a:srgbClr val="000000"/>
                         </a:solidFill>
@@ -7529,12 +7874,12 @@
                     <a:p>
                       <a:pPr algn="r" fontAlgn="ctr"/>
                       <a:r>
-                        <a:rPr lang="en-US" sz="2000" u="none" strike="noStrike">
+                        <a:rPr lang="en-US" sz="2000" u="none" strike="noStrike" dirty="0">
                           <a:effectLst/>
                         </a:rPr>
                         <a:t>0.15</a:t>
                       </a:r>
-                      <a:endParaRPr lang="en-US" sz="2000" b="0" i="0" u="none" strike="noStrike">
+                      <a:endParaRPr lang="en-US" sz="2000" b="0" i="0" u="none" strike="noStrike" dirty="0">
                         <a:solidFill>
                           <a:srgbClr val="000000"/>
                         </a:solidFill>
@@ -7552,12 +7897,12 @@
                     <a:p>
                       <a:pPr algn="r" fontAlgn="ctr"/>
                       <a:r>
-                        <a:rPr lang="en-US" sz="2000" u="none" strike="noStrike">
+                        <a:rPr lang="en-US" sz="2000" u="none" strike="noStrike" dirty="0">
                           <a:effectLst/>
                         </a:rPr>
                         <a:t>-0.51</a:t>
                       </a:r>
-                      <a:endParaRPr lang="en-US" sz="2000" b="0" i="0" u="none" strike="noStrike">
+                      <a:endParaRPr lang="en-US" sz="2000" b="0" i="0" u="none" strike="noStrike" dirty="0">
                         <a:solidFill>
                           <a:srgbClr val="000000"/>
                         </a:solidFill>
@@ -7575,12 +7920,12 @@
                     <a:p>
                       <a:pPr algn="r" fontAlgn="ctr"/>
                       <a:r>
-                        <a:rPr lang="en-US" sz="2000" u="none" strike="noStrike">
+                        <a:rPr lang="en-US" sz="2000" u="none" strike="noStrike" dirty="0">
                           <a:effectLst/>
                         </a:rPr>
                         <a:t>0.54</a:t>
                       </a:r>
-                      <a:endParaRPr lang="en-US" sz="2000" b="0" i="0" u="none" strike="noStrike">
+                      <a:endParaRPr lang="en-US" sz="2000" b="0" i="0" u="none" strike="noStrike" dirty="0">
                         <a:solidFill>
                           <a:srgbClr val="000000"/>
                         </a:solidFill>
@@ -7598,12 +7943,12 @@
                     <a:p>
                       <a:pPr algn="r" fontAlgn="ctr"/>
                       <a:r>
-                        <a:rPr lang="en-US" sz="2000" u="none" strike="noStrike">
+                        <a:rPr lang="en-US" sz="2000" u="none" strike="noStrike" dirty="0">
                           <a:effectLst/>
                         </a:rPr>
                         <a:t>0.02</a:t>
                       </a:r>
-                      <a:endParaRPr lang="en-US" sz="2000" b="0" i="0" u="none" strike="noStrike">
+                      <a:endParaRPr lang="en-US" sz="2000" b="0" i="0" u="none" strike="noStrike" dirty="0">
                         <a:solidFill>
                           <a:srgbClr val="000000"/>
                         </a:solidFill>
@@ -7621,12 +7966,12 @@
                     <a:p>
                       <a:pPr algn="r" fontAlgn="ctr"/>
                       <a:r>
-                        <a:rPr lang="en-US" sz="2000" u="none" strike="noStrike">
+                        <a:rPr lang="en-US" sz="2000" u="none" strike="noStrike" dirty="0">
                           <a:effectLst/>
                         </a:rPr>
                         <a:t>-0.35</a:t>
                       </a:r>
-                      <a:endParaRPr lang="en-US" sz="2000" b="0" i="0" u="none" strike="noStrike">
+                      <a:endParaRPr lang="en-US" sz="2000" b="0" i="0" u="none" strike="noStrike" dirty="0">
                         <a:solidFill>
                           <a:srgbClr val="000000"/>
                         </a:solidFill>
@@ -9388,7 +9733,7 @@
 </p:sld>
 </file>
 
-<file path=ppt/slides/slide12.xml><?xml version="1.0" encoding="utf-8"?>
+<file path=ppt/slides/slide13.xml><?xml version="1.0" encoding="utf-8"?>
 <p:sld xmlns:a="http://schemas.openxmlformats.org/drawingml/2006/main" xmlns:r="http://schemas.openxmlformats.org/officeDocument/2006/relationships" xmlns:p="http://schemas.openxmlformats.org/presentationml/2006/main">
   <p:cSld>
     <p:spTree>
@@ -9839,351 +10184,6 @@
     <p:extLst>
       <p:ext uri="{BB962C8B-B14F-4D97-AF65-F5344CB8AC3E}">
         <p14:creationId xmlns:p14="http://schemas.microsoft.com/office/powerpoint/2010/main" val="2357756132"/>
-      </p:ext>
-    </p:extLst>
-  </p:cSld>
-  <p:clrMapOvr>
-    <a:masterClrMapping/>
-  </p:clrMapOvr>
-</p:sld>
-</file>
-
-<file path=ppt/slides/slide13.xml><?xml version="1.0" encoding="utf-8"?>
-<p:sld xmlns:a="http://schemas.openxmlformats.org/drawingml/2006/main" xmlns:r="http://schemas.openxmlformats.org/officeDocument/2006/relationships" xmlns:p="http://schemas.openxmlformats.org/presentationml/2006/main">
-  <p:cSld>
-    <p:spTree>
-      <p:nvGrpSpPr>
-        <p:cNvPr id="1" name=""/>
-        <p:cNvGrpSpPr/>
-        <p:nvPr/>
-      </p:nvGrpSpPr>
-      <p:grpSpPr>
-        <a:xfrm>
-          <a:off x="0" y="0"/>
-          <a:ext cx="0" cy="0"/>
-          <a:chOff x="0" y="0"/>
-          <a:chExt cx="0" cy="0"/>
-        </a:xfrm>
-      </p:grpSpPr>
-      <p:sp>
-        <p:nvSpPr>
-          <p:cNvPr id="2" name="Title 1">
-            <a:extLst>
-              <a:ext uri="{FF2B5EF4-FFF2-40B4-BE49-F238E27FC236}">
-                <a16:creationId xmlns:a16="http://schemas.microsoft.com/office/drawing/2014/main" id="{119C596B-4A3F-401B-9919-CE0A774A5BB9}"/>
-              </a:ext>
-            </a:extLst>
-          </p:cNvPr>
-          <p:cNvSpPr>
-            <a:spLocks noGrp="1"/>
-          </p:cNvSpPr>
-          <p:nvPr>
-            <p:ph type="title"/>
-          </p:nvPr>
-        </p:nvSpPr>
-        <p:spPr>
-          <a:xfrm>
-            <a:off x="0" y="0"/>
-            <a:ext cx="10515600" cy="1070913"/>
-          </a:xfrm>
-        </p:spPr>
-        <p:txBody>
-          <a:bodyPr/>
-          <a:lstStyle/>
-          <a:p>
-            <a:r>
-              <a:rPr lang="en-US" dirty="0">
-                <a:latin typeface="Alice" panose="00000500000000000000" pitchFamily="2" charset="0"/>
-              </a:rPr>
-              <a:t>Results: Word2Vec</a:t>
-            </a:r>
-          </a:p>
-        </p:txBody>
-      </p:sp>
-      <p:sp>
-        <p:nvSpPr>
-          <p:cNvPr id="3" name="Content Placeholder 2">
-            <a:extLst>
-              <a:ext uri="{FF2B5EF4-FFF2-40B4-BE49-F238E27FC236}">
-                <a16:creationId xmlns:a16="http://schemas.microsoft.com/office/drawing/2014/main" id="{08F95419-9E09-4099-B67E-33E3023EBB5B}"/>
-              </a:ext>
-            </a:extLst>
-          </p:cNvPr>
-          <p:cNvSpPr>
-            <a:spLocks noGrp="1"/>
-          </p:cNvSpPr>
-          <p:nvPr>
-            <p:ph idx="1"/>
-          </p:nvPr>
-        </p:nvSpPr>
-        <p:spPr>
-          <a:xfrm>
-            <a:off x="690913" y="978729"/>
-            <a:ext cx="11018317" cy="5072267"/>
-          </a:xfrm>
-        </p:spPr>
-        <p:txBody>
-          <a:bodyPr>
-            <a:normAutofit/>
-          </a:bodyPr>
-          <a:lstStyle/>
-          <a:p>
-            <a:pPr marL="0" indent="0">
-              <a:buNone/>
-            </a:pPr>
-            <a:r>
-              <a:rPr lang="en-US" dirty="0">
-                <a:solidFill>
-                  <a:srgbClr val="0070C0"/>
-                </a:solidFill>
-              </a:rPr>
-              <a:t>Input </a:t>
-            </a:r>
-            <a:r>
-              <a:rPr lang="en-US" dirty="0"/>
-              <a:t>: print(</a:t>
-            </a:r>
-            <a:r>
-              <a:rPr lang="en-US" dirty="0" err="1"/>
-              <a:t>model.wv.most_similar</a:t>
-            </a:r>
-            <a:r>
-              <a:rPr lang="en-US" dirty="0"/>
-              <a:t>('great’))</a:t>
-            </a:r>
-          </a:p>
-          <a:p>
-            <a:pPr marL="0" indent="0">
-              <a:buNone/>
-            </a:pPr>
-            <a:r>
-              <a:rPr lang="en-US" dirty="0">
-                <a:solidFill>
-                  <a:srgbClr val="0070C0"/>
-                </a:solidFill>
-              </a:rPr>
-              <a:t>Output </a:t>
-            </a:r>
-            <a:r>
-              <a:rPr lang="en-US" dirty="0"/>
-              <a:t>: </a:t>
-            </a:r>
-            <a:r>
-              <a:rPr lang="en-US" altLang="en-US" sz="1600" dirty="0">
-                <a:solidFill>
-                  <a:srgbClr val="000000"/>
-                </a:solidFill>
-                <a:latin typeface="Courier New" panose="02070309020205020404" pitchFamily="49" charset="0"/>
-              </a:rPr>
-              <a:t>('wonderful', 0.7530227899551392), </a:t>
-            </a:r>
-          </a:p>
-          <a:p>
-            <a:pPr marL="0" indent="0">
-              <a:buNone/>
-            </a:pPr>
-            <a:r>
-              <a:rPr lang="en-US" altLang="en-US" sz="1600" dirty="0">
-                <a:solidFill>
-                  <a:srgbClr val="000000"/>
-                </a:solidFill>
-                <a:latin typeface="Courier New" panose="02070309020205020404" pitchFamily="49" charset="0"/>
-              </a:rPr>
-              <a:t>	  ('terrific', 0.7318073511123657), </a:t>
-            </a:r>
-            <a:endParaRPr lang="en-US" dirty="0"/>
-          </a:p>
-          <a:p>
-            <a:pPr marL="0" indent="0">
-              <a:buNone/>
-            </a:pPr>
-            <a:endParaRPr lang="en-US" dirty="0">
-              <a:latin typeface="Alice" panose="00000500000000000000" pitchFamily="2" charset="0"/>
-            </a:endParaRPr>
-          </a:p>
-          <a:p>
-            <a:pPr marL="0" indent="0">
-              <a:buNone/>
-            </a:pPr>
-            <a:r>
-              <a:rPr lang="en-US" dirty="0">
-                <a:latin typeface="Alice" panose="00000500000000000000" pitchFamily="2" charset="0"/>
-              </a:rPr>
-              <a:t>Which word doesn’t belong?</a:t>
-            </a:r>
-          </a:p>
-          <a:p>
-            <a:pPr marL="0" indent="0">
-              <a:buNone/>
-            </a:pPr>
-            <a:r>
-              <a:rPr lang="en-US" dirty="0"/>
-              <a:t>	</a:t>
-            </a:r>
-            <a:r>
-              <a:rPr lang="en-US" dirty="0">
-                <a:solidFill>
-                  <a:srgbClr val="0070C0"/>
-                </a:solidFill>
-              </a:rPr>
-              <a:t>Input</a:t>
-            </a:r>
-            <a:r>
-              <a:rPr lang="en-US" dirty="0"/>
-              <a:t>: </a:t>
-            </a:r>
-            <a:r>
-              <a:rPr lang="en-US" dirty="0">
-                <a:latin typeface="Alice" panose="00000500000000000000" pitchFamily="2" charset="0"/>
-              </a:rPr>
-              <a:t>("awesome bad awful terrible")    </a:t>
-            </a:r>
-            <a:r>
-              <a:rPr lang="en-US" dirty="0">
-                <a:solidFill>
-                  <a:srgbClr val="0070C0"/>
-                </a:solidFill>
-              </a:rPr>
-              <a:t>Output</a:t>
-            </a:r>
-            <a:r>
-              <a:rPr lang="en-US" dirty="0"/>
-              <a:t>: </a:t>
-            </a:r>
-            <a:r>
-              <a:rPr lang="en-US" dirty="0">
-                <a:latin typeface="Alice" panose="00000500000000000000" pitchFamily="2" charset="0"/>
-              </a:rPr>
-              <a:t>“awesome”</a:t>
-            </a:r>
-          </a:p>
-          <a:p>
-            <a:pPr marL="0" indent="0">
-              <a:buNone/>
-            </a:pPr>
-            <a:r>
-              <a:rPr lang="en-US" dirty="0"/>
-              <a:t>	</a:t>
-            </a:r>
-            <a:r>
-              <a:rPr lang="en-US" dirty="0">
-                <a:solidFill>
-                  <a:srgbClr val="0070C0"/>
-                </a:solidFill>
-              </a:rPr>
-              <a:t>Input</a:t>
-            </a:r>
-            <a:r>
-              <a:rPr lang="en-US" dirty="0"/>
-              <a:t>: </a:t>
-            </a:r>
-            <a:r>
-              <a:rPr lang="en-US" dirty="0">
-                <a:latin typeface="Alice" panose="00000500000000000000" pitchFamily="2" charset="0"/>
-              </a:rPr>
-              <a:t>("nice pleasant fine excellent")     </a:t>
-            </a:r>
-            <a:r>
-              <a:rPr lang="en-US" dirty="0">
-                <a:solidFill>
-                  <a:srgbClr val="0070C0"/>
-                </a:solidFill>
-              </a:rPr>
-              <a:t>Output</a:t>
-            </a:r>
-            <a:r>
-              <a:rPr lang="en-US" dirty="0"/>
-              <a:t>: </a:t>
-            </a:r>
-            <a:r>
-              <a:rPr lang="en-US" dirty="0">
-                <a:latin typeface="Alice" panose="00000500000000000000" pitchFamily="2" charset="0"/>
-              </a:rPr>
-              <a:t>“pleasant”</a:t>
-            </a:r>
-          </a:p>
-          <a:p>
-            <a:pPr marL="0" indent="0">
-              <a:buNone/>
-            </a:pPr>
-            <a:endParaRPr lang="en-US" dirty="0"/>
-          </a:p>
-          <a:p>
-            <a:pPr marL="0" indent="0">
-              <a:buNone/>
-            </a:pPr>
-            <a:r>
-              <a:rPr lang="en-US" dirty="0">
-                <a:latin typeface="Alice" panose="00000500000000000000" pitchFamily="2" charset="0"/>
-              </a:rPr>
-              <a:t>Classic test</a:t>
-            </a:r>
-          </a:p>
-          <a:p>
-            <a:pPr marL="0" indent="0">
-              <a:buNone/>
-            </a:pPr>
-            <a:r>
-              <a:rPr lang="en-US" dirty="0">
-                <a:solidFill>
-                  <a:srgbClr val="222222"/>
-                </a:solidFill>
-                <a:latin typeface="Alice" panose="00000500000000000000" pitchFamily="2" charset="0"/>
-              </a:rPr>
-              <a:t>	</a:t>
-            </a:r>
-            <a:r>
-              <a:rPr lang="en-US" dirty="0">
-                <a:solidFill>
-                  <a:srgbClr val="0070C0"/>
-                </a:solidFill>
-              </a:rPr>
-              <a:t> Input</a:t>
-            </a:r>
-            <a:r>
-              <a:rPr lang="en-US" dirty="0"/>
-              <a:t>:  </a:t>
-            </a:r>
-            <a:r>
-              <a:rPr lang="en-US" dirty="0">
-                <a:solidFill>
-                  <a:srgbClr val="222222"/>
-                </a:solidFill>
-                <a:latin typeface="Alice" panose="00000500000000000000" pitchFamily="2" charset="0"/>
-              </a:rPr>
-              <a:t>King – man + queen = ?         </a:t>
-            </a:r>
-            <a:r>
-              <a:rPr lang="en-US" dirty="0">
-                <a:solidFill>
-                  <a:srgbClr val="0070C0"/>
-                </a:solidFill>
-              </a:rPr>
-              <a:t>Output: </a:t>
-            </a:r>
-            <a:r>
-              <a:rPr lang="en-US" altLang="en-US" sz="2100" dirty="0">
-                <a:solidFill>
-                  <a:srgbClr val="000000"/>
-                </a:solidFill>
-                <a:latin typeface="Courier New" panose="02070309020205020404" pitchFamily="49" charset="0"/>
-              </a:rPr>
-              <a:t>('princess', 0.4177)</a:t>
-            </a:r>
-            <a:r>
-              <a:rPr lang="en-US" altLang="en-US" sz="2100" dirty="0"/>
-              <a:t> </a:t>
-            </a:r>
-            <a:endParaRPr lang="en-US" altLang="en-US" sz="2100" dirty="0">
-              <a:latin typeface="Arial" panose="020B0604020202020204" pitchFamily="34" charset="0"/>
-            </a:endParaRPr>
-          </a:p>
-        </p:txBody>
-      </p:sp>
-    </p:spTree>
-    <p:extLst>
-      <p:ext uri="{BB962C8B-B14F-4D97-AF65-F5344CB8AC3E}">
-        <p14:creationId xmlns:p14="http://schemas.microsoft.com/office/powerpoint/2010/main" val="969838221"/>
       </p:ext>
     </p:extLst>
   </p:cSld>
@@ -12016,9 +12016,36 @@
             </a:r>
           </a:p>
           <a:p>
+            <a:pPr marL="0" indent="0">
+              <a:buNone/>
+            </a:pPr>
             <a:endParaRPr lang="en-US" dirty="0">
               <a:latin typeface="Alice" panose="00000500000000000000" pitchFamily="2" charset="0"/>
             </a:endParaRPr>
+          </a:p>
+          <a:p>
+            <a:r>
+              <a:rPr lang="en-US" dirty="0">
+                <a:latin typeface="Alice" panose="00000500000000000000" pitchFamily="2" charset="0"/>
+              </a:rPr>
+              <a:t>Lager corpus</a:t>
+            </a:r>
+          </a:p>
+          <a:p>
+            <a:endParaRPr lang="en-US" dirty="0">
+              <a:latin typeface="Alice" panose="00000500000000000000" pitchFamily="2" charset="0"/>
+            </a:endParaRPr>
+          </a:p>
+          <a:p>
+            <a:r>
+              <a:rPr lang="en-US" dirty="0">
+                <a:latin typeface="Alice" panose="00000500000000000000" pitchFamily="2" charset="0"/>
+              </a:rPr>
+              <a:t>In-depth analysis of the weight of the review</a:t>
+            </a:r>
+          </a:p>
+          <a:p>
+            <a:endParaRPr lang="en-US" dirty="0"/>
           </a:p>
           <a:p>
             <a:r>
@@ -12029,32 +12056,9 @@
             </a:r>
           </a:p>
           <a:p>
-            <a:endParaRPr lang="en-US" dirty="0">
-              <a:latin typeface="Alice" panose="00000500000000000000" pitchFamily="2" charset="0"/>
-            </a:endParaRPr>
-          </a:p>
-          <a:p>
-            <a:r>
-              <a:rPr lang="en-US" dirty="0">
-                <a:latin typeface="Alice" panose="00000500000000000000" pitchFamily="2" charset="0"/>
-              </a:rPr>
-              <a:t>Lager corpus</a:t>
-            </a:r>
-          </a:p>
-          <a:p>
-            <a:endParaRPr lang="en-US" dirty="0">
-              <a:latin typeface="Alice" panose="00000500000000000000" pitchFamily="2" charset="0"/>
-            </a:endParaRPr>
-          </a:p>
-          <a:p>
-            <a:r>
-              <a:rPr lang="en-US" dirty="0">
-                <a:latin typeface="Alice" panose="00000500000000000000" pitchFamily="2" charset="0"/>
-              </a:rPr>
-              <a:t>In-depth analysis of the weight of the review</a:t>
-            </a:r>
-          </a:p>
-          <a:p>
+            <a:pPr marL="0" indent="0">
+              <a:buNone/>
+            </a:pPr>
             <a:endParaRPr lang="en-US" dirty="0"/>
           </a:p>
         </p:txBody>
@@ -12136,12 +12140,25 @@
             <p:ph idx="1"/>
           </p:nvPr>
         </p:nvSpPr>
-        <p:spPr/>
+        <p:spPr>
+          <a:xfrm>
+            <a:off x="838200" y="3089829"/>
+            <a:ext cx="10515600" cy="1696963"/>
+          </a:xfrm>
+        </p:spPr>
         <p:txBody>
-          <a:bodyPr/>
+          <a:bodyPr>
+            <a:normAutofit/>
+          </a:bodyPr>
           <a:lstStyle/>
           <a:p>
-            <a:endParaRPr lang="en-US"/>
+            <a:pPr algn="ctr"/>
+            <a:r>
+              <a:rPr lang="en-US" sz="3200" dirty="0">
+                <a:latin typeface="Alice" panose="00000500000000000000" pitchFamily="2" charset="0"/>
+              </a:rPr>
+              <a:t>Any question?</a:t>
+            </a:r>
           </a:p>
         </p:txBody>
       </p:sp>
